--- a/documents/poster/poster.pptx
+++ b/documents/poster/poster.pptx
@@ -261,11 +261,11 @@
           <c:showPercent val="0"/>
           <c:showBubbleSize val="0"/>
         </c:dLbls>
-        <c:axId val="1388473392"/>
-        <c:axId val="1388474480"/>
+        <c:axId val="-1529866816"/>
+        <c:axId val="-1529877696"/>
       </c:scatterChart>
       <c:valAx>
-        <c:axId val="1388473392"/>
+        <c:axId val="-1529866816"/>
         <c:scaling>
           <c:orientation val="minMax"/>
           <c:max val="200"/>
@@ -379,12 +379,12 @@
             <a:endParaRPr lang="en-US"/>
           </a:p>
         </c:txPr>
-        <c:crossAx val="1388474480"/>
+        <c:crossAx val="-1529877696"/>
         <c:crosses val="autoZero"/>
         <c:crossBetween val="midCat"/>
       </c:valAx>
       <c:valAx>
-        <c:axId val="1388474480"/>
+        <c:axId val="-1529877696"/>
         <c:scaling>
           <c:orientation val="minMax"/>
         </c:scaling>
@@ -503,7 +503,7 @@
             <a:endParaRPr lang="en-US"/>
           </a:p>
         </c:txPr>
-        <c:crossAx val="1388473392"/>
+        <c:crossAx val="-1529866816"/>
         <c:crosses val="autoZero"/>
         <c:crossBetween val="midCat"/>
         <c:majorUnit val="10"/>
@@ -3792,7 +3792,7 @@
           <a:p>
             <a:fld id="{678210E7-26CC-4D58-8D72-4A54766DD816}" type="datetimeFigureOut">
               <a:rPr lang="en-US" smtClean="0"/>
-              <a:t>12/16/2014</a:t>
+              <a:t>4/20/2015</a:t>
             </a:fld>
             <a:endParaRPr lang="en-US"/>
           </a:p>
@@ -4283,7 +4283,7 @@
           <a:p>
             <a:fld id="{0270850E-2B22-4F25-BA80-B0E32ADB404C}" type="datetimeFigureOut">
               <a:rPr lang="en-US" smtClean="0"/>
-              <a:t>12/16/2014</a:t>
+              <a:t>4/20/2015</a:t>
             </a:fld>
             <a:endParaRPr lang="en-US"/>
           </a:p>
@@ -4453,7 +4453,7 @@
           <a:p>
             <a:fld id="{0270850E-2B22-4F25-BA80-B0E32ADB404C}" type="datetimeFigureOut">
               <a:rPr lang="en-US" smtClean="0"/>
-              <a:t>12/16/2014</a:t>
+              <a:t>4/20/2015</a:t>
             </a:fld>
             <a:endParaRPr lang="en-US"/>
           </a:p>
@@ -4633,7 +4633,7 @@
           <a:p>
             <a:fld id="{0270850E-2B22-4F25-BA80-B0E32ADB404C}" type="datetimeFigureOut">
               <a:rPr lang="en-US" smtClean="0"/>
-              <a:t>12/16/2014</a:t>
+              <a:t>4/20/2015</a:t>
             </a:fld>
             <a:endParaRPr lang="en-US"/>
           </a:p>
@@ -4803,7 +4803,7 @@
           <a:p>
             <a:fld id="{0270850E-2B22-4F25-BA80-B0E32ADB404C}" type="datetimeFigureOut">
               <a:rPr lang="en-US" smtClean="0"/>
-              <a:t>12/16/2014</a:t>
+              <a:t>4/20/2015</a:t>
             </a:fld>
             <a:endParaRPr lang="en-US"/>
           </a:p>
@@ -5047,7 +5047,7 @@
           <a:p>
             <a:fld id="{0270850E-2B22-4F25-BA80-B0E32ADB404C}" type="datetimeFigureOut">
               <a:rPr lang="en-US" smtClean="0"/>
-              <a:t>12/16/2014</a:t>
+              <a:t>4/20/2015</a:t>
             </a:fld>
             <a:endParaRPr lang="en-US"/>
           </a:p>
@@ -5279,7 +5279,7 @@
           <a:p>
             <a:fld id="{0270850E-2B22-4F25-BA80-B0E32ADB404C}" type="datetimeFigureOut">
               <a:rPr lang="en-US" smtClean="0"/>
-              <a:t>12/16/2014</a:t>
+              <a:t>4/20/2015</a:t>
             </a:fld>
             <a:endParaRPr lang="en-US"/>
           </a:p>
@@ -5646,7 +5646,7 @@
           <a:p>
             <a:fld id="{0270850E-2B22-4F25-BA80-B0E32ADB404C}" type="datetimeFigureOut">
               <a:rPr lang="en-US" smtClean="0"/>
-              <a:t>12/16/2014</a:t>
+              <a:t>4/20/2015</a:t>
             </a:fld>
             <a:endParaRPr lang="en-US"/>
           </a:p>
@@ -5764,7 +5764,7 @@
           <a:p>
             <a:fld id="{0270850E-2B22-4F25-BA80-B0E32ADB404C}" type="datetimeFigureOut">
               <a:rPr lang="en-US" smtClean="0"/>
-              <a:t>12/16/2014</a:t>
+              <a:t>4/20/2015</a:t>
             </a:fld>
             <a:endParaRPr lang="en-US"/>
           </a:p>
@@ -5859,7 +5859,7 @@
           <a:p>
             <a:fld id="{0270850E-2B22-4F25-BA80-B0E32ADB404C}" type="datetimeFigureOut">
               <a:rPr lang="en-US" smtClean="0"/>
-              <a:t>12/16/2014</a:t>
+              <a:t>4/20/2015</a:t>
             </a:fld>
             <a:endParaRPr lang="en-US"/>
           </a:p>
@@ -6136,7 +6136,7 @@
           <a:p>
             <a:fld id="{0270850E-2B22-4F25-BA80-B0E32ADB404C}" type="datetimeFigureOut">
               <a:rPr lang="en-US" smtClean="0"/>
-              <a:t>12/16/2014</a:t>
+              <a:t>4/20/2015</a:t>
             </a:fld>
             <a:endParaRPr lang="en-US"/>
           </a:p>
@@ -6393,7 +6393,7 @@
           <a:p>
             <a:fld id="{0270850E-2B22-4F25-BA80-B0E32ADB404C}" type="datetimeFigureOut">
               <a:rPr lang="en-US" smtClean="0"/>
-              <a:t>12/16/2014</a:t>
+              <a:t>4/20/2015</a:t>
             </a:fld>
             <a:endParaRPr lang="en-US"/>
           </a:p>
@@ -6606,7 +6606,7 @@
           <a:p>
             <a:fld id="{0270850E-2B22-4F25-BA80-B0E32ADB404C}" type="datetimeFigureOut">
               <a:rPr lang="en-US" smtClean="0"/>
-              <a:t>12/16/2014</a:t>
+              <a:t>4/20/2015</a:t>
             </a:fld>
             <a:endParaRPr lang="en-US"/>
           </a:p>
@@ -7325,37 +7325,7 @@
               <a:rPr lang="en-US" sz="4800" dirty="0" smtClean="0">
                 <a:latin typeface="Helvetica Neue" panose="02000503000000020004" pitchFamily="2" charset="0"/>
               </a:rPr>
-              <a:t>Current state-</a:t>
-            </a:r>
-            <a:r>
-              <a:rPr lang="en-US" sz="4800" dirty="0" smtClean="0">
-                <a:latin typeface="Helvetica Neue" panose="02000503000000020004" pitchFamily="2" charset="0"/>
-              </a:rPr>
-              <a:t>of-the-art </a:t>
-            </a:r>
-            <a:r>
-              <a:rPr lang="en-US" sz="4800" dirty="0" smtClean="0">
-                <a:latin typeface="Helvetica Neue" panose="02000503000000020004" pitchFamily="2" charset="0"/>
-              </a:rPr>
-              <a:t>methods of lip tracking involve using statistical models to fit contours to the lips in the image. These methods are efficient, but not fast enough to run in real time on </a:t>
-            </a:r>
-            <a:r>
-              <a:rPr lang="en-US" sz="4800" dirty="0" smtClean="0">
-                <a:latin typeface="Helvetica Neue" panose="02000503000000020004" pitchFamily="2" charset="0"/>
-              </a:rPr>
-              <a:t>a video feed. W</a:t>
-            </a:r>
-            <a:r>
-              <a:rPr lang="en-US" sz="4800" dirty="0" smtClean="0">
-                <a:latin typeface="Helvetica Neue" panose="02000503000000020004" pitchFamily="2" charset="0"/>
-              </a:rPr>
-              <a:t>e </a:t>
-            </a:r>
-            <a:r>
-              <a:rPr lang="en-US" sz="4800" dirty="0" smtClean="0">
-                <a:latin typeface="Helvetica Neue" panose="02000503000000020004" pitchFamily="2" charset="0"/>
-              </a:rPr>
-              <a:t>present a novel way of tracking lip movement with a CUDA-enabled GPU (</a:t>
+              <a:t>Current state-of-the-art methods of lip tracking involve using statistical models to fit contours to the lips in the image. These methods are efficient, but not fast enough to run in real time on a video feed. We present a novel way of tracking lip movement with a CUDA-enabled GPU (</a:t>
             </a:r>
             <a:r>
               <a:rPr lang="en-US" sz="4800" dirty="0" err="1" smtClean="0">
@@ -7379,13 +7349,7 @@
               <a:rPr lang="en-US" sz="4800" dirty="0" smtClean="0">
                 <a:latin typeface="Helvetica Neue" panose="02000503000000020004" pitchFamily="2" charset="0"/>
               </a:rPr>
-              <a:t> K1</a:t>
-            </a:r>
-            <a:r>
-              <a:rPr lang="en-US" sz="4800" dirty="0" smtClean="0">
-                <a:latin typeface="Helvetica Neue" panose="02000503000000020004" pitchFamily="2" charset="0"/>
-              </a:rPr>
-              <a:t>) and </a:t>
+              <a:t> K1) and </a:t>
             </a:r>
             <a:r>
               <a:rPr lang="en-US" sz="4800" dirty="0" err="1" smtClean="0">
@@ -7472,13 +7436,7 @@
               <a:rPr lang="en-US" sz="4800" dirty="0" smtClean="0">
                 <a:latin typeface="Helvetica Neue" panose="02000503000000020004" pitchFamily="2" charset="0"/>
               </a:rPr>
-              <a:t>First, the image is preprocessed by performing edge detection and color segmentation</a:t>
-            </a:r>
-            <a:r>
-              <a:rPr lang="en-US" sz="4800" dirty="0" smtClean="0">
-                <a:latin typeface="Helvetica Neue" panose="02000503000000020004" pitchFamily="2" charset="0"/>
-              </a:rPr>
-              <a:t>. This increases the initial accuracy of the statistical model later used, and thus allows it to finish in fewer iterations. If this is a single frame or the first frame in a video, then a </a:t>
+              <a:t>First, the image is preprocessed by performing edge detection and color segmentation. This increases the initial accuracy of the statistical model later used, and thus allows it to finish in fewer iterations. If this is a single frame or the first frame in a video, then a </a:t>
             </a:r>
             <a:r>
               <a:rPr lang="en-US" sz="4800" dirty="0" err="1" smtClean="0">
@@ -7490,25 +7448,7 @@
               <a:rPr lang="en-US" sz="4800" dirty="0" smtClean="0">
                 <a:latin typeface="Helvetica Neue" panose="02000503000000020004" pitchFamily="2" charset="0"/>
               </a:rPr>
-              <a:t> Cascade is used to quickly find </a:t>
-            </a:r>
-            <a:r>
-              <a:rPr lang="en-US" sz="4800" dirty="0" smtClean="0">
-                <a:latin typeface="Helvetica Neue" panose="02000503000000020004" pitchFamily="2" charset="0"/>
-              </a:rPr>
-              <a:t>the region of interest. Finally, </a:t>
-            </a:r>
-            <a:r>
-              <a:rPr lang="en-US" sz="4800" dirty="0" smtClean="0">
-                <a:latin typeface="Helvetica Neue" panose="02000503000000020004" pitchFamily="2" charset="0"/>
-              </a:rPr>
-              <a:t>an Active Shape Model that has been trained with over 3500 hand-marked images is used to find the final contour. This process involves iteratively fitting the stati</a:t>
-            </a:r>
-            <a:r>
-              <a:rPr lang="en-US" sz="4800" dirty="0" smtClean="0">
-                <a:latin typeface="Helvetica Neue" panose="02000503000000020004" pitchFamily="2" charset="0"/>
-              </a:rPr>
-              <a:t>stical model to the target frame.</a:t>
+              <a:t> Cascade is used to quickly find the region of interest. Finally, an Active Shape Model that has been trained with over 3500 hand-marked images is used to find the final contour. This process involves iteratively fitting the statistical model to the target frame.</a:t>
             </a:r>
             <a:endParaRPr lang="en-US" sz="4800" dirty="0">
               <a:latin typeface="Helvetica Neue" panose="02000503000000020004" pitchFamily="2" charset="0"/>
@@ -7543,37 +7483,7 @@
               <a:rPr lang="en-US" sz="4800" dirty="0" smtClean="0">
                 <a:latin typeface="Helvetica Neue" panose="02000503000000020004" pitchFamily="2" charset="0"/>
               </a:rPr>
-              <a:t>This </a:t>
-            </a:r>
-            <a:r>
-              <a:rPr lang="en-US" sz="4800" dirty="0" smtClean="0">
-                <a:latin typeface="Helvetica Neue" panose="02000503000000020004" pitchFamily="2" charset="0"/>
-              </a:rPr>
-              <a:t>modelling technique </a:t>
-            </a:r>
-            <a:r>
-              <a:rPr lang="en-US" sz="4800" dirty="0" smtClean="0">
-                <a:latin typeface="Helvetica Neue" panose="02000503000000020004" pitchFamily="2" charset="0"/>
-              </a:rPr>
-              <a:t>has </a:t>
-            </a:r>
-            <a:r>
-              <a:rPr lang="en-US" sz="4800" dirty="0" smtClean="0">
-                <a:latin typeface="Helvetica Neue" panose="02000503000000020004" pitchFamily="2" charset="0"/>
-              </a:rPr>
-              <a:t>reliably and </a:t>
-            </a:r>
-            <a:r>
-              <a:rPr lang="en-US" sz="4800" dirty="0" smtClean="0">
-                <a:latin typeface="Helvetica Neue" panose="02000503000000020004" pitchFamily="2" charset="0"/>
-              </a:rPr>
-              <a:t>accurately been able to find and track lip contours in images and video in real time</a:t>
-            </a:r>
-            <a:r>
-              <a:rPr lang="en-US" sz="4800" dirty="0" smtClean="0">
-                <a:latin typeface="Helvetica Neue" panose="02000503000000020004" pitchFamily="2" charset="0"/>
-              </a:rPr>
-              <a:t>. Video processing performance is especially improved with the GPU over a CPU.</a:t>
+              <a:t>This modelling technique has reliably and accurately been able to find and track lip contours in images and video in real time. Video processing performance is especially improved with the GPU over a CPU.</a:t>
             </a:r>
             <a:endParaRPr lang="en-US" sz="4800" dirty="0">
               <a:latin typeface="Helvetica Neue" panose="02000503000000020004" pitchFamily="2" charset="0"/>
@@ -8427,8 +8337,8 @@
         </p:nvSpPr>
         <p:spPr>
           <a:xfrm>
-            <a:off x="33059912" y="10527992"/>
-            <a:ext cx="5878286" cy="1754326"/>
+            <a:off x="33059912" y="11115818"/>
+            <a:ext cx="5878286" cy="646331"/>
           </a:xfrm>
           <a:prstGeom prst="rect">
             <a:avLst/>
@@ -8446,29 +8356,13 @@
               <a:rPr lang="en-US" sz="3600" dirty="0" smtClean="0">
                 <a:latin typeface="Helvetica Neue" panose="02000503000000020004" pitchFamily="2" charset="0"/>
               </a:rPr>
-              <a:t>Edge detection</a:t>
+              <a:t>Scale </a:t>
             </a:r>
-            <a:br>
-              <a:rPr lang="en-US" sz="3600" dirty="0" smtClean="0">
-                <a:latin typeface="Helvetica Neue" panose="02000503000000020004" pitchFamily="2" charset="0"/>
-              </a:rPr>
-            </a:br>
             <a:r>
               <a:rPr lang="en-US" sz="3600" dirty="0" smtClean="0">
                 <a:latin typeface="Helvetica Neue" panose="02000503000000020004" pitchFamily="2" charset="0"/>
               </a:rPr>
-              <a:t>Color segmentation</a:t>
-            </a:r>
-            <a:br>
-              <a:rPr lang="en-US" sz="3600" dirty="0" smtClean="0">
-                <a:latin typeface="Helvetica Neue" panose="02000503000000020004" pitchFamily="2" charset="0"/>
-              </a:rPr>
-            </a:br>
-            <a:r>
-              <a:rPr lang="en-US" sz="3600" dirty="0" smtClean="0">
-                <a:latin typeface="Helvetica Neue" panose="02000503000000020004" pitchFamily="2" charset="0"/>
-              </a:rPr>
-              <a:t>Scale &amp; transform</a:t>
+              <a:t>&amp; transform</a:t>
             </a:r>
             <a:endParaRPr lang="en-US" sz="3600" dirty="0">
               <a:latin typeface="Helvetica Neue" panose="02000503000000020004" pitchFamily="2" charset="0"/>
@@ -8576,8 +8470,8 @@
         </p:nvSpPr>
         <p:spPr>
           <a:xfrm rot="5400000">
-            <a:off x="35701513" y="12381256"/>
-            <a:ext cx="645595" cy="725422"/>
+            <a:off x="35505967" y="12071411"/>
+            <a:ext cx="1036687" cy="725422"/>
           </a:xfrm>
           <a:prstGeom prst="rightArrow">
             <a:avLst/>
